--- a/IHRP_INC3_20180201_v1.0.pptx
+++ b/IHRP_INC3_20180201_v1.0.pptx
@@ -138,7 +138,7 @@
       </p14:sectionLst>
     </p:ext>
     <p:ext uri="{EFAFB233-063F-42B5-8137-9DF3F51BA10A}">
-      <p15:sldGuideLst xmlns="" xmlns:p15="http://schemas.microsoft.com/office/powerpoint/2012/main">
+      <p15:sldGuideLst xmlns:p15="http://schemas.microsoft.com/office/powerpoint/2012/main" xmlns="">
         <p15:guide id="1" orient="horz" pos="2160" userDrawn="1">
           <p15:clr>
             <a:srgbClr val="A4A3A4"/>
@@ -160,14 +160,14 @@
   <p:cmAuthor id="1" name="Nasa Venkata Sudeepta" initials="NVS" lastIdx="5" clrIdx="0">
     <p:extLst>
       <p:ext uri="{19B8F6BF-5375-455C-9EA6-DF929625EA0E}">
-        <p15:presenceInfo xmlns="" xmlns:p15="http://schemas.microsoft.com/office/powerpoint/2012/main" userId="S-1-5-21-132565353-2177070728-2915800224-12646" providerId="AD"/>
+        <p15:presenceInfo xmlns:p15="http://schemas.microsoft.com/office/powerpoint/2012/main" xmlns="" userId="S-1-5-21-132565353-2177070728-2915800224-12646" providerId="AD"/>
       </p:ext>
     </p:extLst>
   </p:cmAuthor>
   <p:cmAuthor id="2" name="Sangeeth S" initials="SS" lastIdx="1" clrIdx="1">
     <p:extLst>
       <p:ext uri="{19B8F6BF-5375-455C-9EA6-DF929625EA0E}">
-        <p15:presenceInfo xmlns="" xmlns:p15="http://schemas.microsoft.com/office/powerpoint/2012/main" userId="S-1-5-21-132565353-2177070728-2915800224-8201" providerId="AD"/>
+        <p15:presenceInfo xmlns:p15="http://schemas.microsoft.com/office/powerpoint/2012/main" xmlns="" userId="S-1-5-21-132565353-2177070728-2915800224-8201" providerId="AD"/>
       </p:ext>
     </p:extLst>
   </p:cmAuthor>
@@ -6688,7 +6688,7 @@
         <p:spPr>
           <a:xfrm>
             <a:off x="228600" y="914400"/>
-            <a:ext cx="10972800" cy="3416320"/>
+            <a:ext cx="10972800" cy="4524315"/>
           </a:xfrm>
           <a:prstGeom prst="rect">
             <a:avLst/>
@@ -6726,8 +6726,104 @@
               <a:buChar char="•"/>
             </a:pPr>
             <a:r>
+              <a:rPr lang="en-US" b="1" dirty="0" smtClean="0"/>
+              <a:t>Scoring: </a:t>
+            </a:r>
+            <a:r>
+              <a:rPr lang="en-US" dirty="0" smtClean="0"/>
+              <a:t>Parameters  for scoring  resume are </a:t>
+            </a:r>
+            <a:r>
               <a:rPr lang="en-US" b="1" dirty="0"/>
-              <a:t>Scoring:</a:t>
+              <a:t>Job title</a:t>
+            </a:r>
+            <a:r>
+              <a:rPr lang="en-US" dirty="0"/>
+              <a:t>, </a:t>
+            </a:r>
+            <a:r>
+              <a:rPr lang="en-US" b="1" dirty="0"/>
+              <a:t>primary/key skills</a:t>
+            </a:r>
+            <a:r>
+              <a:rPr lang="en-US" dirty="0"/>
+              <a:t>, </a:t>
+            </a:r>
+            <a:r>
+              <a:rPr lang="en-US" b="1" dirty="0"/>
+              <a:t>experience</a:t>
+            </a:r>
+            <a:r>
+              <a:rPr lang="en-US" dirty="0"/>
+              <a:t>, </a:t>
+            </a:r>
+            <a:r>
+              <a:rPr lang="en-US" b="1" dirty="0"/>
+              <a:t>location of picking up </a:t>
+            </a:r>
+            <a:r>
+              <a:rPr lang="en-US" b="1" dirty="0" smtClean="0"/>
+              <a:t>resumes (</a:t>
+            </a:r>
+            <a:r>
+              <a:rPr lang="en-US" b="1" dirty="0" err="1" smtClean="0"/>
+              <a:t>naukri</a:t>
+            </a:r>
+            <a:r>
+              <a:rPr lang="en-US" b="1" dirty="0" smtClean="0"/>
+              <a:t>, </a:t>
+            </a:r>
+            <a:r>
+              <a:rPr lang="en-US" b="1" dirty="0" err="1" smtClean="0"/>
+              <a:t>linkedin</a:t>
+            </a:r>
+            <a:r>
+              <a:rPr lang="en-US" b="1" dirty="0" smtClean="0"/>
+              <a:t> </a:t>
+            </a:r>
+            <a:r>
+              <a:rPr lang="en-US" b="1" dirty="0" err="1" smtClean="0"/>
+              <a:t>etc</a:t>
+            </a:r>
+            <a:r>
+              <a:rPr lang="en-US" b="1" smtClean="0"/>
+              <a:t>)</a:t>
+            </a:r>
+            <a:r>
+              <a:rPr lang="en-US" smtClean="0"/>
+              <a:t>, </a:t>
+            </a:r>
+            <a:r>
+              <a:rPr lang="en-US" b="1" dirty="0"/>
+              <a:t>location constraint</a:t>
+            </a:r>
+            <a:r>
+              <a:rPr lang="en-US" dirty="0"/>
+              <a:t>, </a:t>
+            </a:r>
+            <a:r>
+              <a:rPr lang="en-US" b="1" dirty="0"/>
+              <a:t>notice period </a:t>
+            </a:r>
+            <a:r>
+              <a:rPr lang="en-US" dirty="0"/>
+              <a:t>and </a:t>
+            </a:r>
+            <a:r>
+              <a:rPr lang="en-US" b="1" dirty="0"/>
+              <a:t>qualification</a:t>
+            </a:r>
+            <a:r>
+              <a:rPr lang="en-US" dirty="0"/>
+              <a:t> from highest to </a:t>
+            </a:r>
+            <a:r>
+              <a:rPr lang="en-US"/>
+              <a:t>lowest </a:t>
+            </a:r>
+            <a:r>
+              <a:rPr lang="en-US" smtClean="0"/>
+              <a:t>priority.</a:t>
             </a:r>
             <a:endParaRPr lang="en-IN" dirty="0"/>
           </a:p>
@@ -8178,22 +8274,10 @@
               <a:t>Naukri</a:t>
             </a:r>
             <a:r>
-              <a:rPr lang="en-IN" dirty="0">
-                <a:latin typeface="Calibri Light" pitchFamily="34" charset="0"/>
-              </a:rPr>
-              <a:t>, </a:t>
-            </a:r>
-            <a:r>
               <a:rPr lang="en-IN" dirty="0" smtClean="0">
                 <a:latin typeface="Calibri Light" pitchFamily="34" charset="0"/>
               </a:rPr>
-              <a:t>Shine</a:t>
-            </a:r>
-            <a:r>
-              <a:rPr lang="en-IN" dirty="0">
-                <a:latin typeface="Calibri Light" pitchFamily="34" charset="0"/>
-              </a:rPr>
-              <a:t>) </a:t>
+              <a:t> etc.) </a:t>
             </a:r>
             <a:endParaRPr lang="en-IN" dirty="0" smtClean="0">
               <a:latin typeface="Calibri Light" pitchFamily="34" charset="0"/>
@@ -10964,6 +11048,21 @@
 </file>
 
 <file path=customXml/item1.xml><?xml version="1.0" encoding="utf-8"?>
+<p:properties xmlns:p="http://schemas.microsoft.com/office/2006/metadata/properties" xmlns:xsi="http://www.w3.org/2001/XMLSchema-instance">
+  <documentManagement/>
+</p:properties>
+</file>
+
+<file path=customXml/item2.xml><?xml version="1.0" encoding="utf-8"?>
+<?mso-contentType ?>
+<FormTemplates xmlns="http://schemas.microsoft.com/sharepoint/v3/contenttype/forms">
+  <Display>DocumentLibraryForm</Display>
+  <Edit>DocumentLibraryForm</Edit>
+  <New>DocumentLibraryForm</New>
+</FormTemplates>
+</file>
+
+<file path=customXml/item3.xml><?xml version="1.0" encoding="utf-8"?>
 <ct:contentTypeSchema xmlns:ct="http://schemas.microsoft.com/office/2006/metadata/contentType" xmlns:ma="http://schemas.microsoft.com/office/2006/metadata/properties/metaAttributes" ct:_="" ma:_="" ma:contentTypeName="Document" ma:contentTypeID="0x01010044153D826DE0DA40AECFCC440C21E768" ma:contentTypeVersion="0" ma:contentTypeDescription="Create a new document." ma:contentTypeScope="" ma:versionID="ec21a67f3dcd15309559feb6b8371635">
   <xsd:schema xmlns:xsd="http://www.w3.org/2001/XMLSchema" xmlns:p="http://schemas.microsoft.com/office/2006/metadata/properties" targetNamespace="http://schemas.microsoft.com/office/2006/metadata/properties" ma:root="true" ma:fieldsID="4aeb20c0e3442673af7ee10786458764">
     <xsd:element name="properties">
@@ -11012,32 +11111,16 @@
 </ct:contentTypeSchema>
 </file>
 
-<file path=customXml/item2.xml><?xml version="1.0" encoding="utf-8"?>
-<?mso-contentType ?>
-<FormTemplates xmlns="http://schemas.microsoft.com/sharepoint/v3/contenttype/forms">
-  <Display>DocumentLibraryForm</Display>
-  <Edit>DocumentLibraryForm</Edit>
-  <New>DocumentLibraryForm</New>
-</FormTemplates>
-</file>
-
-<file path=customXml/item3.xml><?xml version="1.0" encoding="utf-8"?>
-<p:properties xmlns:p="http://schemas.microsoft.com/office/2006/metadata/properties" xmlns:xsi="http://www.w3.org/2001/XMLSchema-instance">
-  <documentManagement/>
-</p:properties>
-</file>
-
 <file path=customXml/itemProps1.xml><?xml version="1.0" encoding="utf-8"?>
-<ds:datastoreItem xmlns:ds="http://schemas.openxmlformats.org/officeDocument/2006/customXml" ds:itemID="{1FDE19AE-4A4F-49C4-A0D2-FC4C073CF22C}">
+<ds:datastoreItem xmlns:ds="http://schemas.openxmlformats.org/officeDocument/2006/customXml" ds:itemID="{C0D7CF1A-FB51-421C-A687-41913EF8B58F}">
   <ds:schemaRefs>
-    <ds:schemaRef ds:uri="http://schemas.microsoft.com/office/2006/metadata/contentType"/>
-    <ds:schemaRef ds:uri="http://schemas.microsoft.com/office/2006/metadata/properties/metaAttributes"/>
-    <ds:schemaRef ds:uri="http://www.w3.org/2001/XMLSchema"/>
+    <ds:schemaRef ds:uri="http://purl.org/dc/elements/1.1/"/>
     <ds:schemaRef ds:uri="http://schemas.microsoft.com/office/2006/metadata/properties"/>
+    <ds:schemaRef ds:uri="http://purl.org/dc/terms/"/>
     <ds:schemaRef ds:uri="http://schemas.openxmlformats.org/package/2006/metadata/core-properties"/>
-    <ds:schemaRef ds:uri="http://purl.org/dc/elements/1.1/"/>
-    <ds:schemaRef ds:uri="http://purl.org/dc/terms/"/>
-    <ds:schemaRef ds:uri="http://schemas.microsoft.com/office/internal/2005/internalDocumentation"/>
+    <ds:schemaRef ds:uri="http://schemas.microsoft.com/office/2006/documentManagement/types"/>
+    <ds:schemaRef ds:uri="http://www.w3.org/XML/1998/namespace"/>
+    <ds:schemaRef ds:uri="http://purl.org/dc/dcmitype/"/>
   </ds:schemaRefs>
 </ds:datastoreItem>
 </file>
@@ -11051,15 +11134,16 @@
 </file>
 
 <file path=customXml/itemProps3.xml><?xml version="1.0" encoding="utf-8"?>
-<ds:datastoreItem xmlns:ds="http://schemas.openxmlformats.org/officeDocument/2006/customXml" ds:itemID="{C0D7CF1A-FB51-421C-A687-41913EF8B58F}">
+<ds:datastoreItem xmlns:ds="http://schemas.openxmlformats.org/officeDocument/2006/customXml" ds:itemID="{1FDE19AE-4A4F-49C4-A0D2-FC4C073CF22C}">
   <ds:schemaRefs>
+    <ds:schemaRef ds:uri="http://schemas.microsoft.com/office/2006/metadata/contentType"/>
+    <ds:schemaRef ds:uri="http://schemas.microsoft.com/office/2006/metadata/properties/metaAttributes"/>
+    <ds:schemaRef ds:uri="http://www.w3.org/2001/XMLSchema"/>
+    <ds:schemaRef ds:uri="http://schemas.microsoft.com/office/2006/metadata/properties"/>
+    <ds:schemaRef ds:uri="http://schemas.openxmlformats.org/package/2006/metadata/core-properties"/>
     <ds:schemaRef ds:uri="http://purl.org/dc/elements/1.1/"/>
-    <ds:schemaRef ds:uri="http://schemas.microsoft.com/office/2006/metadata/properties"/>
     <ds:schemaRef ds:uri="http://purl.org/dc/terms/"/>
-    <ds:schemaRef ds:uri="http://schemas.openxmlformats.org/package/2006/metadata/core-properties"/>
-    <ds:schemaRef ds:uri="http://schemas.microsoft.com/office/2006/documentManagement/types"/>
-    <ds:schemaRef ds:uri="http://www.w3.org/XML/1998/namespace"/>
-    <ds:schemaRef ds:uri="http://purl.org/dc/dcmitype/"/>
+    <ds:schemaRef ds:uri="http://schemas.microsoft.com/office/internal/2005/internalDocumentation"/>
   </ds:schemaRefs>
 </ds:datastoreItem>
 </file>